--- a/images/i20210831/i20210831.pptx
+++ b/images/i20210831/i20210831.pptx
@@ -6,6 +6,8 @@
   </p:sldMasterIdLst>
   <p:sldIdLst>
     <p:sldId id="256" r:id="rId2"/>
+    <p:sldId id="257" r:id="rId3"/>
+    <p:sldId id="258" r:id="rId4"/>
   </p:sldIdLst>
   <p:sldSz cx="12192000" cy="6858000"/>
   <p:notesSz cx="6858000" cy="9144000"/>
@@ -104,6 +106,11 @@
       </a:defRPr>
     </a:lvl9pPr>
   </p:defaultTextStyle>
+  <p:extLst>
+    <p:ext uri="{EFAFB233-063F-42B5-8137-9DF3F51BA10A}">
+      <p15:sldGuideLst xmlns:p15="http://schemas.microsoft.com/office/powerpoint/2012/main"/>
+    </p:ext>
+  </p:extLst>
 </p:presentation>
 </file>
 
@@ -3416,6 +3423,327 @@
 </p:sld>
 </file>
 
+<file path=ppt/slides/slide2.xml><?xml version="1.0" encoding="utf-8"?>
+<p:sld xmlns:a="http://schemas.openxmlformats.org/drawingml/2006/main" xmlns:r="http://schemas.openxmlformats.org/officeDocument/2006/relationships" xmlns:p="http://schemas.openxmlformats.org/presentationml/2006/main">
+  <p:cSld>
+    <p:spTree>
+      <p:nvGrpSpPr>
+        <p:cNvPr id="1" name=""/>
+        <p:cNvGrpSpPr/>
+        <p:nvPr/>
+      </p:nvGrpSpPr>
+      <p:grpSpPr>
+        <a:xfrm>
+          <a:off x="0" y="0"/>
+          <a:ext cx="0" cy="0"/>
+          <a:chOff x="0" y="0"/>
+          <a:chExt cx="0" cy="0"/>
+        </a:xfrm>
+      </p:grpSpPr>
+      <p:pic>
+        <p:nvPicPr>
+          <p:cNvPr id="3" name="圖片 2" descr="一張含有 文字 的圖片&#10;&#10;自動產生的描述">
+            <a:extLst>
+              <a:ext uri="{FF2B5EF4-FFF2-40B4-BE49-F238E27FC236}">
+                <a16:creationId xmlns:a16="http://schemas.microsoft.com/office/drawing/2014/main" id="{1EA5B2D1-D68F-442E-B223-0A0DADA9462B}"/>
+              </a:ext>
+            </a:extLst>
+          </p:cNvPr>
+          <p:cNvPicPr>
+            <a:picLocks noChangeAspect="1"/>
+          </p:cNvPicPr>
+          <p:nvPr/>
+        </p:nvPicPr>
+        <p:blipFill>
+          <a:blip r:embed="rId2"/>
+          <a:stretch>
+            <a:fillRect/>
+          </a:stretch>
+        </p:blipFill>
+        <p:spPr>
+          <a:xfrm>
+            <a:off x="0" y="158750"/>
+            <a:ext cx="12192000" cy="6540500"/>
+          </a:xfrm>
+          <a:prstGeom prst="rect">
+            <a:avLst/>
+          </a:prstGeom>
+        </p:spPr>
+      </p:pic>
+      <p:sp>
+        <p:nvSpPr>
+          <p:cNvPr id="4" name="矩形 3">
+            <a:extLst>
+              <a:ext uri="{FF2B5EF4-FFF2-40B4-BE49-F238E27FC236}">
+                <a16:creationId xmlns:a16="http://schemas.microsoft.com/office/drawing/2014/main" id="{13C12674-F9F4-4925-96BA-F367F1E96585}"/>
+              </a:ext>
+            </a:extLst>
+          </p:cNvPr>
+          <p:cNvSpPr/>
+          <p:nvPr/>
+        </p:nvSpPr>
+        <p:spPr>
+          <a:xfrm>
+            <a:off x="7460755" y="4406978"/>
+            <a:ext cx="2790000" cy="450000"/>
+          </a:xfrm>
+          <a:prstGeom prst="rect">
+            <a:avLst/>
+          </a:prstGeom>
+          <a:noFill/>
+          <a:ln w="57150">
+            <a:solidFill>
+              <a:srgbClr val="FF0000"/>
+            </a:solidFill>
+          </a:ln>
+        </p:spPr>
+        <p:style>
+          <a:lnRef idx="2">
+            <a:schemeClr val="accent1">
+              <a:shade val="50000"/>
+            </a:schemeClr>
+          </a:lnRef>
+          <a:fillRef idx="1">
+            <a:schemeClr val="accent1"/>
+          </a:fillRef>
+          <a:effectRef idx="0">
+            <a:schemeClr val="accent1"/>
+          </a:effectRef>
+          <a:fontRef idx="minor">
+            <a:schemeClr val="lt1"/>
+          </a:fontRef>
+        </p:style>
+        <p:txBody>
+          <a:bodyPr rtlCol="0" anchor="ctr"/>
+          <a:lstStyle/>
+          <a:p>
+            <a:pPr algn="ctr"/>
+            <a:endParaRPr lang="zh-TW" altLang="en-US"/>
+          </a:p>
+        </p:txBody>
+      </p:sp>
+      <p:sp>
+        <p:nvSpPr>
+          <p:cNvPr id="5" name="矩形 4">
+            <a:extLst>
+              <a:ext uri="{FF2B5EF4-FFF2-40B4-BE49-F238E27FC236}">
+                <a16:creationId xmlns:a16="http://schemas.microsoft.com/office/drawing/2014/main" id="{21B4CC2D-95D6-4AD3-9E3C-90C49C006D0C}"/>
+              </a:ext>
+            </a:extLst>
+          </p:cNvPr>
+          <p:cNvSpPr/>
+          <p:nvPr/>
+        </p:nvSpPr>
+        <p:spPr>
+          <a:xfrm>
+            <a:off x="3996195" y="3967138"/>
+            <a:ext cx="630000" cy="450000"/>
+          </a:xfrm>
+          <a:prstGeom prst="rect">
+            <a:avLst/>
+          </a:prstGeom>
+          <a:noFill/>
+          <a:ln w="57150">
+            <a:solidFill>
+              <a:srgbClr val="FF0000"/>
+            </a:solidFill>
+          </a:ln>
+        </p:spPr>
+        <p:style>
+          <a:lnRef idx="2">
+            <a:schemeClr val="accent1">
+              <a:shade val="50000"/>
+            </a:schemeClr>
+          </a:lnRef>
+          <a:fillRef idx="1">
+            <a:schemeClr val="accent1"/>
+          </a:fillRef>
+          <a:effectRef idx="0">
+            <a:schemeClr val="accent1"/>
+          </a:effectRef>
+          <a:fontRef idx="minor">
+            <a:schemeClr val="lt1"/>
+          </a:fontRef>
+        </p:style>
+        <p:txBody>
+          <a:bodyPr rtlCol="0" anchor="ctr"/>
+          <a:lstStyle/>
+          <a:p>
+            <a:pPr algn="ctr"/>
+            <a:endParaRPr lang="zh-TW" altLang="en-US"/>
+          </a:p>
+        </p:txBody>
+      </p:sp>
+      <p:cxnSp>
+        <p:nvCxnSpPr>
+          <p:cNvPr id="7" name="直線單箭頭接點 6">
+            <a:extLst>
+              <a:ext uri="{FF2B5EF4-FFF2-40B4-BE49-F238E27FC236}">
+                <a16:creationId xmlns:a16="http://schemas.microsoft.com/office/drawing/2014/main" id="{0BEB7FE2-8019-493B-9EF2-309042B81690}"/>
+              </a:ext>
+            </a:extLst>
+          </p:cNvPr>
+          <p:cNvCxnSpPr>
+            <a:cxnSpLocks/>
+          </p:cNvCxnSpPr>
+          <p:nvPr/>
+        </p:nvCxnSpPr>
+        <p:spPr>
+          <a:xfrm>
+            <a:off x="4731246" y="4216400"/>
+            <a:ext cx="2583954" cy="375920"/>
+          </a:xfrm>
+          <a:prstGeom prst="straightConnector1">
+            <a:avLst/>
+          </a:prstGeom>
+          <a:ln w="57150">
+            <a:solidFill>
+              <a:srgbClr val="FF0000"/>
+            </a:solidFill>
+            <a:headEnd type="none" w="med" len="med"/>
+            <a:tailEnd type="arrow" w="med" len="med"/>
+          </a:ln>
+        </p:spPr>
+        <p:style>
+          <a:lnRef idx="1">
+            <a:schemeClr val="accent1"/>
+          </a:lnRef>
+          <a:fillRef idx="0">
+            <a:schemeClr val="accent1"/>
+          </a:fillRef>
+          <a:effectRef idx="0">
+            <a:schemeClr val="accent1"/>
+          </a:effectRef>
+          <a:fontRef idx="minor">
+            <a:schemeClr val="tx1"/>
+          </a:fontRef>
+        </p:style>
+      </p:cxnSp>
+    </p:spTree>
+    <p:extLst>
+      <p:ext uri="{BB962C8B-B14F-4D97-AF65-F5344CB8AC3E}">
+        <p14:creationId xmlns:p14="http://schemas.microsoft.com/office/powerpoint/2010/main" val="4064649154"/>
+      </p:ext>
+    </p:extLst>
+  </p:cSld>
+  <p:clrMapOvr>
+    <a:masterClrMapping/>
+  </p:clrMapOvr>
+</p:sld>
+</file>
+
+<file path=ppt/slides/slide3.xml><?xml version="1.0" encoding="utf-8"?>
+<p:sld xmlns:a="http://schemas.openxmlformats.org/drawingml/2006/main" xmlns:r="http://schemas.openxmlformats.org/officeDocument/2006/relationships" xmlns:p="http://schemas.openxmlformats.org/presentationml/2006/main">
+  <p:cSld>
+    <p:spTree>
+      <p:nvGrpSpPr>
+        <p:cNvPr id="1" name=""/>
+        <p:cNvGrpSpPr/>
+        <p:nvPr/>
+      </p:nvGrpSpPr>
+      <p:grpSpPr>
+        <a:xfrm>
+          <a:off x="0" y="0"/>
+          <a:ext cx="0" cy="0"/>
+          <a:chOff x="0" y="0"/>
+          <a:chExt cx="0" cy="0"/>
+        </a:xfrm>
+      </p:grpSpPr>
+      <p:pic>
+        <p:nvPicPr>
+          <p:cNvPr id="3" name="圖片 2">
+            <a:extLst>
+              <a:ext uri="{FF2B5EF4-FFF2-40B4-BE49-F238E27FC236}">
+                <a16:creationId xmlns:a16="http://schemas.microsoft.com/office/drawing/2014/main" id="{F5FB31F0-DC56-4C46-894B-0F0EA6D9E0AB}"/>
+              </a:ext>
+            </a:extLst>
+          </p:cNvPr>
+          <p:cNvPicPr>
+            <a:picLocks noChangeAspect="1"/>
+          </p:cNvPicPr>
+          <p:nvPr/>
+        </p:nvPicPr>
+        <p:blipFill>
+          <a:blip r:embed="rId2"/>
+          <a:stretch>
+            <a:fillRect/>
+          </a:stretch>
+        </p:blipFill>
+        <p:spPr>
+          <a:xfrm>
+            <a:off x="0" y="130175"/>
+            <a:ext cx="12192000" cy="6597650"/>
+          </a:xfrm>
+          <a:prstGeom prst="rect">
+            <a:avLst/>
+          </a:prstGeom>
+        </p:spPr>
+      </p:pic>
+      <p:sp>
+        <p:nvSpPr>
+          <p:cNvPr id="4" name="矩形 3">
+            <a:extLst>
+              <a:ext uri="{FF2B5EF4-FFF2-40B4-BE49-F238E27FC236}">
+                <a16:creationId xmlns:a16="http://schemas.microsoft.com/office/drawing/2014/main" id="{59018FCB-5683-4DDF-8CF6-E10E78D4DA49}"/>
+              </a:ext>
+            </a:extLst>
+          </p:cNvPr>
+          <p:cNvSpPr/>
+          <p:nvPr/>
+        </p:nvSpPr>
+        <p:spPr>
+          <a:xfrm>
+            <a:off x="11575" y="309540"/>
+            <a:ext cx="2250000" cy="450000"/>
+          </a:xfrm>
+          <a:prstGeom prst="rect">
+            <a:avLst/>
+          </a:prstGeom>
+          <a:noFill/>
+          <a:ln w="57150">
+            <a:solidFill>
+              <a:srgbClr val="FF0000"/>
+            </a:solidFill>
+          </a:ln>
+        </p:spPr>
+        <p:style>
+          <a:lnRef idx="2">
+            <a:schemeClr val="accent1">
+              <a:shade val="50000"/>
+            </a:schemeClr>
+          </a:lnRef>
+          <a:fillRef idx="1">
+            <a:schemeClr val="accent1"/>
+          </a:fillRef>
+          <a:effectRef idx="0">
+            <a:schemeClr val="accent1"/>
+          </a:effectRef>
+          <a:fontRef idx="minor">
+            <a:schemeClr val="lt1"/>
+          </a:fontRef>
+        </p:style>
+        <p:txBody>
+          <a:bodyPr rtlCol="0" anchor="ctr"/>
+          <a:lstStyle/>
+          <a:p>
+            <a:pPr algn="ctr"/>
+            <a:endParaRPr lang="zh-TW" altLang="en-US"/>
+          </a:p>
+        </p:txBody>
+      </p:sp>
+    </p:spTree>
+    <p:extLst>
+      <p:ext uri="{BB962C8B-B14F-4D97-AF65-F5344CB8AC3E}">
+        <p14:creationId xmlns:p14="http://schemas.microsoft.com/office/powerpoint/2010/main" val="4075943010"/>
+      </p:ext>
+    </p:extLst>
+  </p:cSld>
+  <p:clrMapOvr>
+    <a:masterClrMapping/>
+  </p:clrMapOvr>
+</p:sld>
+</file>
+
 <file path=ppt/theme/theme1.xml><?xml version="1.0" encoding="utf-8"?>
 <a:theme xmlns:a="http://schemas.openxmlformats.org/drawingml/2006/main" name="Office 佈景主題">
   <a:themeElements>
